--- a/templates/ppt_template/split_presentations_242.pptx
+++ b/templates/ppt_template/split_presentations_242.pptx
@@ -800,7 +800,7 @@
           <a:graphicData uri="http://schemas.openxmlformats.org/presentationml/2006/ole">
             <mc:AlternateContent xmlns:mc="http://schemas.openxmlformats.org/markup-compatibility/2006">
               <mc:Choice xmlns:v="urn:schemas-microsoft-com:vml" Requires="v">
-                <p:oleObj spid="_x0000_s261127" name="think-cell 幻灯片" r:id="rId4" imgW="349" imgH="350" progId="TCLayout.ActiveDocument.1">
+                <p:oleObj spid="_x0000_s261136" name="think-cell 幻灯片" r:id="rId4" imgW="349" imgH="350" progId="TCLayout.ActiveDocument.1">
                   <p:embed/>
                 </p:oleObj>
               </mc:Choice>
@@ -950,7 +950,7 @@
           <a:graphicData uri="http://schemas.openxmlformats.org/presentationml/2006/ole">
             <mc:AlternateContent xmlns:mc="http://schemas.openxmlformats.org/markup-compatibility/2006">
               <mc:Choice xmlns:v="urn:schemas-microsoft-com:vml" Requires="v">
-                <p:oleObj spid="_x0000_s259079" name="think-cell 幻灯片" r:id="rId10" imgW="270" imgH="270" progId="TCLayout.ActiveDocument.1">
+                <p:oleObj spid="_x0000_s259088" name="think-cell 幻灯片" r:id="rId10" imgW="270" imgH="270" progId="TCLayout.ActiveDocument.1">
                   <p:embed/>
                 </p:oleObj>
               </mc:Choice>
@@ -3300,7 +3300,7 @@
           <a:graphicData uri="http://schemas.openxmlformats.org/presentationml/2006/ole">
             <mc:AlternateContent xmlns:mc="http://schemas.openxmlformats.org/markup-compatibility/2006">
               <mc:Choice xmlns:v="urn:schemas-microsoft-com:vml" Requires="v">
-                <p:oleObj spid="_x0000_s249863" name="think-cell 幻灯片" r:id="rId5" imgW="349" imgH="350" progId="TCLayout.ActiveDocument.1">
+                <p:oleObj spid="_x0000_s249872" name="think-cell 幻灯片" r:id="rId5" imgW="349" imgH="350" progId="TCLayout.ActiveDocument.1">
                   <p:embed/>
                 </p:oleObj>
               </mc:Choice>
@@ -3368,8 +3368,8 @@
           <a:lstStyle/>
           <a:p>
             <a:r>
-              <a:rPr lang="en-US"/>
-              <a:t>Sprint planning</a:t>
+              <a:rPr lang="en-US" dirty="0"/>
+              <a:t>{title}</a:t>
             </a:r>
           </a:p>
         </p:txBody>
@@ -3391,7 +3391,7 @@
         <p:spPr bwMode="gray">
           <a:xfrm>
             <a:off x="1888340" y="3614227"/>
-            <a:ext cx="1170998" cy="584775"/>
+            <a:ext cx="1170998" cy="738664"/>
           </a:xfrm>
           <a:prstGeom prst="rect">
             <a:avLst/>
@@ -3573,52 +3573,14 @@
               </a:buClr>
             </a:pPr>
             <a:r>
-              <a:rPr lang="en-US" sz="2400">
+              <a:rPr lang="en-US" sz="2400" dirty="0">
                 <a:solidFill>
                   <a:schemeClr val="tx2"/>
                 </a:solidFill>
               </a:rPr>
-              <a:t>Sprint 1</a:t>
+              <a:t>{timeline_1}</a:t>
             </a:r>
-          </a:p>
-          <a:p>
-            <a:pPr algn="ctr">
-              <a:spcBef>
-                <a:spcPts val="0"/>
-              </a:spcBef>
-              <a:buClr>
-                <a:srgbClr val="000000"/>
-              </a:buClr>
-            </a:pPr>
-            <a:r>
-              <a:rPr lang="en-US" sz="1400" b="1">
-                <a:solidFill>
-                  <a:schemeClr val="accent1"/>
-                </a:solidFill>
-              </a:rPr>
-              <a:t>2</a:t>
-            </a:r>
-            <a:r>
-              <a:rPr lang="en-US" sz="1400" b="1" i="0">
-                <a:solidFill>
-                  <a:schemeClr val="accent1"/>
-                </a:solidFill>
-                <a:effectLst/>
-                <a:highlight>
-                  <a:srgbClr val="FFFFFF"/>
-                </a:highlight>
-              </a:rPr>
-              <a:t>–</a:t>
-            </a:r>
-            <a:r>
-              <a:rPr lang="en-US" sz="1400" b="1">
-                <a:solidFill>
-                  <a:schemeClr val="accent1"/>
-                </a:solidFill>
-              </a:rPr>
-              <a:t>4 weeks</a:t>
-            </a:r>
-            <a:endParaRPr lang="en-US" sz="1400">
+            <a:endParaRPr lang="en-US" sz="1400" dirty="0">
               <a:solidFill>
                 <a:schemeClr val="accent1"/>
               </a:solidFill>
@@ -3643,7 +3605,7 @@
         <p:spPr bwMode="gray">
           <a:xfrm>
             <a:off x="5539364" y="3614227"/>
-            <a:ext cx="1170998" cy="584775"/>
+            <a:ext cx="1170998" cy="738664"/>
           </a:xfrm>
           <a:prstGeom prst="rect">
             <a:avLst/>
@@ -3825,32 +3787,14 @@
               </a:buClr>
             </a:pPr>
             <a:r>
-              <a:rPr lang="en-US" sz="2400">
+              <a:rPr lang="en-US" sz="2400" dirty="0">
                 <a:solidFill>
                   <a:schemeClr val="tx2"/>
                 </a:solidFill>
               </a:rPr>
-              <a:t>Sprint 2</a:t>
+              <a:t>{timeline_2}</a:t>
             </a:r>
-          </a:p>
-          <a:p>
-            <a:pPr algn="ctr">
-              <a:spcBef>
-                <a:spcPts val="0"/>
-              </a:spcBef>
-              <a:buClr>
-                <a:srgbClr val="000000"/>
-              </a:buClr>
-            </a:pPr>
-            <a:r>
-              <a:rPr lang="en-US" sz="1400" b="1">
-                <a:solidFill>
-                  <a:schemeClr val="accent1"/>
-                </a:solidFill>
-              </a:rPr>
-              <a:t>2–4 weeks</a:t>
-            </a:r>
-            <a:endParaRPr lang="en-US" sz="1400">
+            <a:endParaRPr lang="en-US" sz="1400" dirty="0">
               <a:solidFill>
                 <a:schemeClr val="accent1"/>
               </a:solidFill>
@@ -3875,7 +3819,7 @@
         <p:spPr bwMode="gray">
           <a:xfrm>
             <a:off x="9190392" y="3614227"/>
-            <a:ext cx="1170998" cy="584775"/>
+            <a:ext cx="1170998" cy="738664"/>
           </a:xfrm>
           <a:prstGeom prst="rect">
             <a:avLst/>
@@ -4057,32 +4001,14 @@
               </a:buClr>
             </a:pPr>
             <a:r>
-              <a:rPr lang="en-US" sz="2400">
+              <a:rPr lang="en-US" sz="2400" dirty="0">
                 <a:solidFill>
                   <a:schemeClr val="tx2"/>
                 </a:solidFill>
               </a:rPr>
-              <a:t>Sprint 3</a:t>
+              <a:t>{timeline_3}</a:t>
             </a:r>
-          </a:p>
-          <a:p>
-            <a:pPr algn="ctr">
-              <a:spcBef>
-                <a:spcPts val="0"/>
-              </a:spcBef>
-              <a:buClr>
-                <a:srgbClr val="000000"/>
-              </a:buClr>
-            </a:pPr>
-            <a:r>
-              <a:rPr lang="en-US" sz="1400" b="1">
-                <a:solidFill>
-                  <a:schemeClr val="accent1"/>
-                </a:solidFill>
-              </a:rPr>
-              <a:t>2–4 weeks</a:t>
-            </a:r>
-            <a:endParaRPr lang="en-US" sz="1400">
+            <a:endParaRPr lang="en-US" sz="1400" dirty="0">
               <a:solidFill>
                 <a:schemeClr val="accent1"/>
               </a:solidFill>
@@ -7173,13 +7099,13 @@
               </a:buClr>
             </a:pPr>
             <a:r>
-              <a:rPr lang="en-US" sz="2400">
+              <a:rPr lang="en-US" sz="2400" dirty="0">
                 <a:solidFill>
                   <a:schemeClr val="tx2"/>
                 </a:solidFill>
                 <a:sym typeface="Futura"/>
               </a:rPr>
-              <a:t>Sample text</a:t>
+              <a:t>{subtitle_1}</a:t>
             </a:r>
           </a:p>
           <a:p>
@@ -7192,13 +7118,13 @@
               </a:buClr>
             </a:pPr>
             <a:r>
-              <a:rPr lang="en-US" sz="1400" b="1">
+              <a:rPr lang="en-US" sz="1400" b="1" dirty="0">
                 <a:solidFill>
                   <a:schemeClr val="accent1"/>
                 </a:solidFill>
                 <a:sym typeface="Futura"/>
               </a:rPr>
-              <a:t>Insert your desired text</a:t>
+              <a:t>{subtitle_1_bullet}</a:t>
             </a:r>
           </a:p>
           <a:p>
@@ -7213,144 +7139,15 @@
               <a:buChar char="•"/>
             </a:pPr>
             <a:r>
-              <a:rPr lang="en-US" sz="1400">
+              <a:rPr lang="en-US" sz="1400" dirty="0">
                 <a:solidFill>
                   <a:srgbClr val="000000"/>
                 </a:solidFill>
                 <a:sym typeface="Futura"/>
               </a:rPr>
-              <a:t>Lorem ipsum dolor sit </a:t>
+              <a:t>{subtitle_1_bullet_content}</a:t>
             </a:r>
-            <a:r>
-              <a:rPr lang="en-US" sz="1400" err="1">
-                <a:solidFill>
-                  <a:srgbClr val="000000"/>
-                </a:solidFill>
-                <a:sym typeface="Futura"/>
-              </a:rPr>
-              <a:t>amet</a:t>
-            </a:r>
-            <a:r>
-              <a:rPr lang="en-US" sz="1400">
-                <a:solidFill>
-                  <a:srgbClr val="000000"/>
-                </a:solidFill>
-                <a:sym typeface="Futura"/>
-              </a:rPr>
-              <a:t>, </a:t>
-            </a:r>
-            <a:r>
-              <a:rPr lang="en-US" sz="1400" err="1">
-                <a:solidFill>
-                  <a:srgbClr val="000000"/>
-                </a:solidFill>
-                <a:sym typeface="Futura"/>
-              </a:rPr>
-              <a:t>consectetur</a:t>
-            </a:r>
-            <a:r>
-              <a:rPr lang="en-US" sz="1400">
-                <a:solidFill>
-                  <a:srgbClr val="000000"/>
-                </a:solidFill>
-                <a:sym typeface="Futura"/>
-              </a:rPr>
-              <a:t> </a:t>
-            </a:r>
-            <a:r>
-              <a:rPr lang="en-US" sz="1400" err="1">
-                <a:solidFill>
-                  <a:srgbClr val="000000"/>
-                </a:solidFill>
-                <a:sym typeface="Futura"/>
-              </a:rPr>
-              <a:t>adipiscing</a:t>
-            </a:r>
-            <a:r>
-              <a:rPr lang="en-US" sz="1400">
-                <a:solidFill>
-                  <a:srgbClr val="000000"/>
-                </a:solidFill>
-                <a:sym typeface="Futura"/>
-              </a:rPr>
-              <a:t> </a:t>
-            </a:r>
-            <a:r>
-              <a:rPr lang="en-US" sz="1400" err="1">
-                <a:solidFill>
-                  <a:srgbClr val="000000"/>
-                </a:solidFill>
-                <a:sym typeface="Futura"/>
-              </a:rPr>
-              <a:t>elit</a:t>
-            </a:r>
-            <a:r>
-              <a:rPr lang="en-US" sz="1400">
-                <a:solidFill>
-                  <a:srgbClr val="000000"/>
-                </a:solidFill>
-                <a:sym typeface="Futura"/>
-              </a:rPr>
-              <a:t> </a:t>
-            </a:r>
-          </a:p>
-          <a:p>
-            <a:pPr marL="180975" lvl="1" indent="-180975">
-              <a:spcAft>
-                <a:spcPts val="600"/>
-              </a:spcAft>
-              <a:buClr>
-                <a:srgbClr val="000000"/>
-              </a:buClr>
-              <a:buFont typeface="Arial" panose="020B0604020202020204" pitchFamily="34" charset="0"/>
-              <a:buChar char="•"/>
-            </a:pPr>
-            <a:r>
-              <a:rPr lang="en-US" sz="1400">
-                <a:solidFill>
-                  <a:srgbClr val="000000"/>
-                </a:solidFill>
-                <a:sym typeface="Futura"/>
-              </a:rPr>
-              <a:t>Ut </a:t>
-            </a:r>
-            <a:r>
-              <a:rPr lang="en-US" sz="1400" err="1">
-                <a:solidFill>
-                  <a:srgbClr val="000000"/>
-                </a:solidFill>
-                <a:sym typeface="Futura"/>
-              </a:rPr>
-              <a:t>enim</a:t>
-            </a:r>
-            <a:r>
-              <a:rPr lang="en-US" sz="1400">
-                <a:solidFill>
-                  <a:srgbClr val="000000"/>
-                </a:solidFill>
-                <a:sym typeface="Futura"/>
-              </a:rPr>
-              <a:t> ad minim </a:t>
-            </a:r>
-            <a:r>
-              <a:rPr lang="en-US" sz="1400" err="1">
-                <a:solidFill>
-                  <a:srgbClr val="000000"/>
-                </a:solidFill>
-                <a:sym typeface="Futura"/>
-              </a:rPr>
-              <a:t>veniam</a:t>
-            </a:r>
-            <a:r>
-              <a:rPr lang="en-US" sz="1400">
-                <a:solidFill>
-                  <a:srgbClr val="000000"/>
-                </a:solidFill>
-                <a:sym typeface="Futura"/>
-              </a:rPr>
-              <a:t> </a:t>
-            </a:r>
-            <a:endParaRPr lang="en-US" sz="1400" b="1">
+            <a:endParaRPr lang="en-US" sz="1400" b="1" dirty="0">
               <a:solidFill>
                 <a:schemeClr val="accent1"/>
               </a:solidFill>
@@ -7417,13 +7214,13 @@
               </a:buClr>
             </a:pPr>
             <a:r>
-              <a:rPr lang="en-US" sz="2400">
+              <a:rPr lang="en-US" sz="2400" dirty="0">
                 <a:solidFill>
                   <a:schemeClr val="tx2"/>
                 </a:solidFill>
                 <a:sym typeface="Futura"/>
               </a:rPr>
-              <a:t>Sample text</a:t>
+              <a:t>{subtitle_2}</a:t>
             </a:r>
           </a:p>
           <a:p>
@@ -7436,13 +7233,13 @@
               </a:buClr>
             </a:pPr>
             <a:r>
-              <a:rPr lang="en-US" sz="1400" b="1">
+              <a:rPr lang="en-US" sz="1400" b="1" dirty="0">
                 <a:solidFill>
                   <a:schemeClr val="accent1"/>
                 </a:solidFill>
                 <a:sym typeface="Futura"/>
               </a:rPr>
-              <a:t>Insert your desired text</a:t>
+              <a:t>{subtitle_2_bullet}</a:t>
             </a:r>
           </a:p>
           <a:p>
@@ -7457,140 +7254,14 @@
               <a:buChar char="•"/>
             </a:pPr>
             <a:r>
-              <a:rPr lang="en-US" sz="1400">
+              <a:rPr lang="en-US" sz="1400" dirty="0">
                 <a:solidFill>
                   <a:srgbClr val="000000"/>
                 </a:solidFill>
                 <a:sym typeface="Futura"/>
               </a:rPr>
-              <a:t>Lorem ipsum dolor sit </a:t>
+              <a:t>{subtitle_2_bullet_content}</a:t>
             </a:r>
-            <a:r>
-              <a:rPr lang="en-US" sz="1400" err="1">
-                <a:solidFill>
-                  <a:srgbClr val="000000"/>
-                </a:solidFill>
-                <a:sym typeface="Futura"/>
-              </a:rPr>
-              <a:t>amet</a:t>
-            </a:r>
-            <a:r>
-              <a:rPr lang="en-US" sz="1400">
-                <a:solidFill>
-                  <a:srgbClr val="000000"/>
-                </a:solidFill>
-                <a:sym typeface="Futura"/>
-              </a:rPr>
-              <a:t>, </a:t>
-            </a:r>
-            <a:r>
-              <a:rPr lang="en-US" sz="1400" err="1">
-                <a:solidFill>
-                  <a:srgbClr val="000000"/>
-                </a:solidFill>
-                <a:sym typeface="Futura"/>
-              </a:rPr>
-              <a:t>consectetur</a:t>
-            </a:r>
-            <a:r>
-              <a:rPr lang="en-US" sz="1400">
-                <a:solidFill>
-                  <a:srgbClr val="000000"/>
-                </a:solidFill>
-                <a:sym typeface="Futura"/>
-              </a:rPr>
-              <a:t> </a:t>
-            </a:r>
-            <a:r>
-              <a:rPr lang="en-US" sz="1400" err="1">
-                <a:solidFill>
-                  <a:srgbClr val="000000"/>
-                </a:solidFill>
-                <a:sym typeface="Futura"/>
-              </a:rPr>
-              <a:t>adipiscing</a:t>
-            </a:r>
-            <a:r>
-              <a:rPr lang="en-US" sz="1400">
-                <a:solidFill>
-                  <a:srgbClr val="000000"/>
-                </a:solidFill>
-                <a:sym typeface="Futura"/>
-              </a:rPr>
-              <a:t> </a:t>
-            </a:r>
-            <a:r>
-              <a:rPr lang="en-US" sz="1400" err="1">
-                <a:solidFill>
-                  <a:srgbClr val="000000"/>
-                </a:solidFill>
-                <a:sym typeface="Futura"/>
-              </a:rPr>
-              <a:t>elit</a:t>
-            </a:r>
-            <a:r>
-              <a:rPr lang="en-US" sz="1400">
-                <a:solidFill>
-                  <a:srgbClr val="000000"/>
-                </a:solidFill>
-                <a:sym typeface="Futura"/>
-              </a:rPr>
-              <a:t> </a:t>
-            </a:r>
-          </a:p>
-          <a:p>
-            <a:pPr marL="180975" lvl="1" indent="-180975">
-              <a:spcAft>
-                <a:spcPts val="600"/>
-              </a:spcAft>
-              <a:buClr>
-                <a:srgbClr val="000000"/>
-              </a:buClr>
-              <a:buFont typeface="Arial" panose="020B0604020202020204" pitchFamily="34" charset="0"/>
-              <a:buChar char="•"/>
-            </a:pPr>
-            <a:r>
-              <a:rPr lang="en-US" sz="1400">
-                <a:solidFill>
-                  <a:srgbClr val="000000"/>
-                </a:solidFill>
-                <a:sym typeface="Futura"/>
-              </a:rPr>
-              <a:t>Ut </a:t>
-            </a:r>
-            <a:r>
-              <a:rPr lang="en-US" sz="1400" err="1">
-                <a:solidFill>
-                  <a:srgbClr val="000000"/>
-                </a:solidFill>
-                <a:sym typeface="Futura"/>
-              </a:rPr>
-              <a:t>enim</a:t>
-            </a:r>
-            <a:r>
-              <a:rPr lang="en-US" sz="1400">
-                <a:solidFill>
-                  <a:srgbClr val="000000"/>
-                </a:solidFill>
-                <a:sym typeface="Futura"/>
-              </a:rPr>
-              <a:t> ad minim </a:t>
-            </a:r>
-            <a:r>
-              <a:rPr lang="en-US" sz="1400" err="1">
-                <a:solidFill>
-                  <a:srgbClr val="000000"/>
-                </a:solidFill>
-                <a:sym typeface="Futura"/>
-              </a:rPr>
-              <a:t>veniam</a:t>
-            </a:r>
-            <a:endParaRPr lang="en-US" sz="1400">
-              <a:solidFill>
-                <a:srgbClr val="000000"/>
-              </a:solidFill>
-              <a:sym typeface="Futura"/>
-            </a:endParaRPr>
           </a:p>
           <a:p>
             <a:pPr>
@@ -7598,7 +7269,7 @@
                 <a:srgbClr val="000000"/>
               </a:buClr>
             </a:pPr>
-            <a:endParaRPr lang="en-US" sz="1400" b="1">
+            <a:endParaRPr lang="en-US" sz="1400" b="1" dirty="0">
               <a:solidFill>
                 <a:schemeClr val="accent1"/>
               </a:solidFill>

--- a/templates/ppt_template/split_presentations_242.pptx
+++ b/templates/ppt_template/split_presentations_242.pptx
@@ -1,22 +1,22 @@
 
 <file path=ppt/presentation.xml><?xml version="1.0" encoding="utf-8"?>
-<p:presentation xmlns:p15="http://schemas.microsoft.com/office/powerpoint/2012/main" xmlns:a="http://schemas.openxmlformats.org/drawingml/2006/main" xmlns:r="http://schemas.openxmlformats.org/officeDocument/2006/relationships" xmlns:p="http://schemas.openxmlformats.org/presentationml/2006/main" showSpecialPlsOnTitleSld="0" removePersonalInfoOnSave="1" saveSubsetFonts="1" autoCompressPictures="0">
+<p:presentation xmlns:a="http://schemas.openxmlformats.org/drawingml/2006/main" xmlns:r="http://schemas.openxmlformats.org/officeDocument/2006/relationships" xmlns:p="http://schemas.openxmlformats.org/presentationml/2006/main" showSpecialPlsOnTitleSld="0" removePersonalInfoOnSave="1" saveSubsetFonts="1" autoCompressPictures="0">
   <p:sldMasterIdLst>
     <p:sldMasterId id="2147483692" r:id="rId3"/>
   </p:sldMasterIdLst>
   <p:notesMasterIdLst>
-    <p:notesMasterId r:id="rId254"/>
+    <p:notesMasterId r:id="rId5"/>
   </p:notesMasterIdLst>
   <p:handoutMasterIdLst>
-    <p:handoutMasterId r:id="rId255"/>
+    <p:handoutMasterId r:id="rId6"/>
   </p:handoutMasterIdLst>
   <p:sldIdLst>
-    <p:sldId id="364" r:id="rId245"/>
+    <p:sldId id="364" r:id="rId4"/>
   </p:sldIdLst>
   <p:sldSz cx="12192000" cy="6858000"/>
   <p:notesSz cx="6858000" cy="9144000"/>
   <p:custDataLst>
-    <p:tags r:id="rId256"/>
+    <p:tags r:id="rId7"/>
   </p:custDataLst>
   <p:defaultTextStyle>
     <a:defPPr>
@@ -232,7 +232,7 @@
           <a:p>
             <a:fld id="{887C93E6-3CAE-4165-B3AF-CD7E12F79975}" type="datetimeFigureOut">
               <a:rPr lang="en-US" smtClean="0"/>
-              <a:t>2017</a:t>
+              <a:t>9/15/2025</a:t>
             </a:fld>
             <a:endParaRPr lang="en-US"/>
           </a:p>
@@ -677,7 +677,7 @@
 </p:notesMaster>
 </file>
 
-<file path=ppt/notesSlides/notesSlide242.xml><?xml version="1.0" encoding="utf-8"?>
+<file path=ppt/notesSlides/notesSlide1.xml><?xml version="1.0" encoding="utf-8"?>
 <p:notes xmlns:a="http://schemas.openxmlformats.org/drawingml/2006/main" xmlns:r="http://schemas.openxmlformats.org/officeDocument/2006/relationships" xmlns:p="http://schemas.openxmlformats.org/presentationml/2006/main">
   <p:cSld>
     <p:spTree>
@@ -757,7 +757,7 @@
 </p:notes>
 </file>
 
-<file path=ppt/slideLayouts/slideLayout5.xml><?xml version="1.0" encoding="utf-8"?>
+<file path=ppt/slideLayouts/slideLayout1.xml><?xml version="1.0" encoding="utf-8"?>
 <p:sldLayout xmlns:a="http://schemas.openxmlformats.org/drawingml/2006/main" xmlns:r="http://schemas.openxmlformats.org/officeDocument/2006/relationships" xmlns:p="http://schemas.openxmlformats.org/presentationml/2006/main" showMasterPhAnim="0" userDrawn="1">
   <p:cSld name="仅标题">
     <p:spTree>
@@ -800,7 +800,7 @@
           <a:graphicData uri="http://schemas.openxmlformats.org/presentationml/2006/ole">
             <mc:AlternateContent xmlns:mc="http://schemas.openxmlformats.org/markup-compatibility/2006">
               <mc:Choice xmlns:v="urn:schemas-microsoft-com:vml" Requires="v">
-                <p:oleObj spid="_x0000_s261136" name="think-cell 幻灯片" r:id="rId4" imgW="349" imgH="350" progId="TCLayout.ActiveDocument.1">
+                <p:oleObj spid="_x0000_s261138" name="think-cell 幻灯片" r:id="rId4" imgW="349" imgH="350" progId="TCLayout.ActiveDocument.1">
                   <p:embed/>
                 </p:oleObj>
               </mc:Choice>
@@ -906,7 +906,7 @@
 </file>
 
 <file path=ppt/slideMasters/slideMaster1.xml><?xml version="1.0" encoding="utf-8"?>
-<p:sldMaster xmlns:mc="http://schemas.openxmlformats.org/markup-compatibility/2006" xmlns:v="urn:schemas-microsoft-com:vml" xmlns:a16="http://schemas.microsoft.com/office/drawing/2014/main" xmlns:p14="http://schemas.microsoft.com/office/powerpoint/2010/main" xmlns:p15="http://schemas.microsoft.com/office/powerpoint/2012/main" xmlns:a="http://schemas.openxmlformats.org/drawingml/2006/main" xmlns:r="http://schemas.openxmlformats.org/officeDocument/2006/relationships" xmlns:p="http://schemas.openxmlformats.org/presentationml/2006/main" preserve="1">
+<p:sldMaster xmlns:a="http://schemas.openxmlformats.org/drawingml/2006/main" xmlns:r="http://schemas.openxmlformats.org/officeDocument/2006/relationships" xmlns:p="http://schemas.openxmlformats.org/presentationml/2006/main" preserve="1">
   <p:cSld>
     <p:bg>
       <p:bgPr>
@@ -938,7 +938,7 @@
           </p:cNvGraphicFramePr>
           <p:nvPr userDrawn="1">
             <p:custDataLst>
-              <p:tags r:id="rId9"/>
+              <p:tags r:id="rId4"/>
             </p:custDataLst>
           </p:nvPr>
         </p:nvGraphicFramePr>
@@ -950,12 +950,12 @@
           <a:graphicData uri="http://schemas.openxmlformats.org/presentationml/2006/ole">
             <mc:AlternateContent xmlns:mc="http://schemas.openxmlformats.org/markup-compatibility/2006">
               <mc:Choice xmlns:v="urn:schemas-microsoft-com:vml" Requires="v">
-                <p:oleObj spid="_x0000_s259088" name="think-cell 幻灯片" r:id="rId10" imgW="270" imgH="270" progId="TCLayout.ActiveDocument.1">
+                <p:oleObj spid="_x0000_s259090" name="think-cell 幻灯片" r:id="rId5" imgW="270" imgH="270" progId="TCLayout.ActiveDocument.1">
                   <p:embed/>
                 </p:oleObj>
               </mc:Choice>
               <mc:Fallback>
-                <p:oleObj name="think-cell 幻灯片" r:id="rId10" imgW="270" imgH="270" progId="TCLayout.ActiveDocument.1">
+                <p:oleObj name="think-cell 幻灯片" r:id="rId5" imgW="270" imgH="270" progId="TCLayout.ActiveDocument.1">
                   <p:embed/>
                   <p:pic>
                     <p:nvPicPr>
@@ -964,7 +964,7 @@
                       <p:nvPr/>
                     </p:nvPicPr>
                     <p:blipFill>
-                      <a:blip r:embed="rId11"/>
+                      <a:blip r:embed="rId6"/>
                       <a:stretch>
                         <a:fillRect/>
                       </a:stretch>
@@ -2850,7 +2850,7 @@
   </p:cSld>
   <p:clrMap bg1="lt1" tx1="dk1" bg2="lt2" tx2="dk2" accent1="accent1" accent2="accent2" accent3="accent3" accent4="accent4" accent5="accent5" accent6="accent6" hlink="hlink" folHlink="folHlink"/>
   <p:sldLayoutIdLst>
-    <p:sldLayoutId id="2147483697" r:id="rId5"/>
+    <p:sldLayoutId id="2147483697" r:id="rId1"/>
   </p:sldLayoutIdLst>
   <mc:AlternateContent xmlns:mc="http://schemas.openxmlformats.org/markup-compatibility/2006" xmlns:p14="http://schemas.microsoft.com/office/powerpoint/2010/main">
     <mc:Choice Requires="p14">
@@ -2858,7 +2858,7 @@
         <p:fade/>
       </p:transition>
     </mc:Choice>
-    <mc:Fallback>
+    <mc:Fallback xmlns:p15="http://schemas.microsoft.com/office/powerpoint/2012/main" xmlns:a16="http://schemas.microsoft.com/office/drawing/2014/main" xmlns:v="urn:schemas-microsoft-com:vml" xmlns="">
       <p:transition>
         <p:fade/>
       </p:transition>
@@ -3252,7 +3252,7 @@
 </p:sldMaster>
 </file>
 
-<file path=ppt/slides/slide242.xml><?xml version="1.0" encoding="utf-8"?>
+<file path=ppt/slides/slide1.xml><?xml version="1.0" encoding="utf-8"?>
 <p:sld xmlns:a="http://schemas.openxmlformats.org/drawingml/2006/main" xmlns:r="http://schemas.openxmlformats.org/officeDocument/2006/relationships" xmlns:p="http://schemas.openxmlformats.org/presentationml/2006/main" showMasterPhAnim="0">
   <p:cSld>
     <p:spTree>
@@ -3300,7 +3300,7 @@
           <a:graphicData uri="http://schemas.openxmlformats.org/presentationml/2006/ole">
             <mc:AlternateContent xmlns:mc="http://schemas.openxmlformats.org/markup-compatibility/2006">
               <mc:Choice xmlns:v="urn:schemas-microsoft-com:vml" Requires="v">
-                <p:oleObj spid="_x0000_s249872" name="think-cell 幻灯片" r:id="rId5" imgW="349" imgH="350" progId="TCLayout.ActiveDocument.1">
+                <p:oleObj spid="_x0000_s249874" name="think-cell 幻灯片" r:id="rId5" imgW="349" imgH="350" progId="TCLayout.ActiveDocument.1">
                   <p:embed/>
                 </p:oleObj>
               </mc:Choice>
@@ -3369,7 +3369,19 @@
           <a:p>
             <a:r>
               <a:rPr lang="en-US" dirty="0"/>
-              <a:t>{title}</a:t>
+              <a:t>{</a:t>
+            </a:r>
+            <a:r>
+              <a:rPr lang="en-US" dirty="0">
+                <a:latin typeface="理想品牌字体 2022" panose="02000500000000000000" pitchFamily="50" charset="-122"/>
+                <a:ea typeface="理想品牌字体 2022" panose="02000500000000000000" pitchFamily="50" charset="-122"/>
+                <a:cs typeface="理想品牌字体 2022" panose="02000500000000000000" pitchFamily="50" charset="-122"/>
+              </a:rPr>
+              <a:t>title</a:t>
+            </a:r>
+            <a:r>
+              <a:rPr lang="en-US" dirty="0"/>
+              <a:t>}</a:t>
             </a:r>
           </a:p>
         </p:txBody>
@@ -3577,6 +3589,9 @@
                 <a:solidFill>
                   <a:schemeClr val="tx2"/>
                 </a:solidFill>
+                <a:latin typeface="理想品牌字体 2022" panose="02000500000000000000" pitchFamily="50" charset="-122"/>
+                <a:ea typeface="理想品牌字体 2022" panose="02000500000000000000" pitchFamily="50" charset="-122"/>
+                <a:cs typeface="理想品牌字体 2022" panose="02000500000000000000" pitchFamily="50" charset="-122"/>
               </a:rPr>
               <a:t>{timeline_1}</a:t>
             </a:r>
@@ -3584,6 +3599,9 @@
               <a:solidFill>
                 <a:schemeClr val="accent1"/>
               </a:solidFill>
+              <a:latin typeface="理想品牌字体 2022" panose="02000500000000000000" pitchFamily="50" charset="-122"/>
+              <a:ea typeface="理想品牌字体 2022" panose="02000500000000000000" pitchFamily="50" charset="-122"/>
+              <a:cs typeface="理想品牌字体 2022" panose="02000500000000000000" pitchFamily="50" charset="-122"/>
             </a:endParaRPr>
           </a:p>
         </p:txBody>
@@ -3791,6 +3809,9 @@
                 <a:solidFill>
                   <a:schemeClr val="tx2"/>
                 </a:solidFill>
+                <a:latin typeface="理想品牌字体 2022" panose="02000500000000000000" pitchFamily="50" charset="-122"/>
+                <a:ea typeface="理想品牌字体 2022" panose="02000500000000000000" pitchFamily="50" charset="-122"/>
+                <a:cs typeface="理想品牌字体 2022" panose="02000500000000000000" pitchFamily="50" charset="-122"/>
               </a:rPr>
               <a:t>{timeline_2}</a:t>
             </a:r>
@@ -3798,6 +3819,9 @@
               <a:solidFill>
                 <a:schemeClr val="accent1"/>
               </a:solidFill>
+              <a:latin typeface="理想品牌字体 2022" panose="02000500000000000000" pitchFamily="50" charset="-122"/>
+              <a:ea typeface="理想品牌字体 2022" panose="02000500000000000000" pitchFamily="50" charset="-122"/>
+              <a:cs typeface="理想品牌字体 2022" panose="02000500000000000000" pitchFamily="50" charset="-122"/>
             </a:endParaRPr>
           </a:p>
         </p:txBody>
@@ -4005,6 +4029,9 @@
                 <a:solidFill>
                   <a:schemeClr val="tx2"/>
                 </a:solidFill>
+                <a:latin typeface="理想品牌字体 2022" panose="02000500000000000000" pitchFamily="50" charset="-122"/>
+                <a:ea typeface="理想品牌字体 2022" panose="02000500000000000000" pitchFamily="50" charset="-122"/>
+                <a:cs typeface="理想品牌字体 2022" panose="02000500000000000000" pitchFamily="50" charset="-122"/>
               </a:rPr>
               <a:t>{timeline_3}</a:t>
             </a:r>
@@ -4012,6 +4039,9 @@
               <a:solidFill>
                 <a:schemeClr val="accent1"/>
               </a:solidFill>
+              <a:latin typeface="理想品牌字体 2022" panose="02000500000000000000" pitchFamily="50" charset="-122"/>
+              <a:ea typeface="理想品牌字体 2022" panose="02000500000000000000" pitchFamily="50" charset="-122"/>
+              <a:cs typeface="理想品牌字体 2022" panose="02000500000000000000" pitchFamily="50" charset="-122"/>
             </a:endParaRPr>
           </a:p>
         </p:txBody>
@@ -7103,6 +7133,9 @@
                 <a:solidFill>
                   <a:schemeClr val="tx2"/>
                 </a:solidFill>
+                <a:latin typeface="理想品牌字体 2022" panose="02000500000000000000" pitchFamily="50" charset="-122"/>
+                <a:ea typeface="理想品牌字体 2022" panose="02000500000000000000" pitchFamily="50" charset="-122"/>
+                <a:cs typeface="理想品牌字体 2022" panose="02000500000000000000" pitchFamily="50" charset="-122"/>
                 <a:sym typeface="Futura"/>
               </a:rPr>
               <a:t>{subtitle_1}</a:t>
@@ -7122,6 +7155,9 @@
                 <a:solidFill>
                   <a:schemeClr val="accent1"/>
                 </a:solidFill>
+                <a:latin typeface="理想品牌字体 2022" panose="02000500000000000000" pitchFamily="50" charset="-122"/>
+                <a:ea typeface="理想品牌字体 2022" panose="02000500000000000000" pitchFamily="50" charset="-122"/>
+                <a:cs typeface="理想品牌字体 2022" panose="02000500000000000000" pitchFamily="50" charset="-122"/>
                 <a:sym typeface="Futura"/>
               </a:rPr>
               <a:t>{subtitle_1_bullet}</a:t>
@@ -7143,6 +7179,9 @@
                 <a:solidFill>
                   <a:srgbClr val="000000"/>
                 </a:solidFill>
+                <a:latin typeface="理想品牌字体 2022" panose="02000500000000000000" pitchFamily="50" charset="-122"/>
+                <a:ea typeface="理想品牌字体 2022" panose="02000500000000000000" pitchFamily="50" charset="-122"/>
+                <a:cs typeface="理想品牌字体 2022" panose="02000500000000000000" pitchFamily="50" charset="-122"/>
                 <a:sym typeface="Futura"/>
               </a:rPr>
               <a:t>{subtitle_1_bullet_content}</a:t>
@@ -7151,6 +7190,9 @@
               <a:solidFill>
                 <a:schemeClr val="accent1"/>
               </a:solidFill>
+              <a:latin typeface="理想品牌字体 2022" panose="02000500000000000000" pitchFamily="50" charset="-122"/>
+              <a:ea typeface="理想品牌字体 2022" panose="02000500000000000000" pitchFamily="50" charset="-122"/>
+              <a:cs typeface="理想品牌字体 2022" panose="02000500000000000000" pitchFamily="50" charset="-122"/>
               <a:sym typeface="Futura"/>
             </a:endParaRPr>
           </a:p>
@@ -7218,6 +7260,9 @@
                 <a:solidFill>
                   <a:schemeClr val="tx2"/>
                 </a:solidFill>
+                <a:latin typeface="理想品牌字体 2022" panose="02000500000000000000" pitchFamily="50" charset="-122"/>
+                <a:ea typeface="理想品牌字体 2022" panose="02000500000000000000" pitchFamily="50" charset="-122"/>
+                <a:cs typeface="理想品牌字体 2022" panose="02000500000000000000" pitchFamily="50" charset="-122"/>
                 <a:sym typeface="Futura"/>
               </a:rPr>
               <a:t>{subtitle_2}</a:t>
@@ -7237,6 +7282,9 @@
                 <a:solidFill>
                   <a:schemeClr val="accent1"/>
                 </a:solidFill>
+                <a:latin typeface="理想品牌字体 2022" panose="02000500000000000000" pitchFamily="50" charset="-122"/>
+                <a:ea typeface="理想品牌字体 2022" panose="02000500000000000000" pitchFamily="50" charset="-122"/>
+                <a:cs typeface="理想品牌字体 2022" panose="02000500000000000000" pitchFamily="50" charset="-122"/>
                 <a:sym typeface="Futura"/>
               </a:rPr>
               <a:t>{subtitle_2_bullet}</a:t>
@@ -7258,6 +7306,9 @@
                 <a:solidFill>
                   <a:srgbClr val="000000"/>
                 </a:solidFill>
+                <a:latin typeface="理想品牌字体 2022" panose="02000500000000000000" pitchFamily="50" charset="-122"/>
+                <a:ea typeface="理想品牌字体 2022" panose="02000500000000000000" pitchFamily="50" charset="-122"/>
+                <a:cs typeface="理想品牌字体 2022" panose="02000500000000000000" pitchFamily="50" charset="-122"/>
                 <a:sym typeface="Futura"/>
               </a:rPr>
               <a:t>{subtitle_2_bullet_content}</a:t>
@@ -7538,7 +7589,7 @@
 </p:tagLst>
 </file>
 
-<file path=ppt/tags/tag2069.xml><?xml version="1.0" encoding="utf-8"?>
+<file path=ppt/tags/tag3.xml><?xml version="1.0" encoding="utf-8"?>
 <p:tagLst xmlns:a="http://schemas.openxmlformats.org/drawingml/2006/main" xmlns:r="http://schemas.openxmlformats.org/officeDocument/2006/relationships" xmlns:p="http://schemas.openxmlformats.org/presentationml/2006/main">
   <p:tag name="THINKCELLSHAPEDONOTDELETE" val="thinkcellActiveDocDoNotDelete"/>
 </p:tagLst>
@@ -8456,17 +8507,6 @@
 </file>
 
 <file path=customXml/item1.xml><?xml version="1.0" encoding="utf-8"?>
-<p:properties xmlns:p="http://schemas.microsoft.com/office/2006/metadata/properties" xmlns:xsi="http://www.w3.org/2001/XMLSchema-instance" xmlns:pc="http://schemas.microsoft.com/office/infopath/2007/PartnerControls">
-  <documentManagement>
-    <lcf76f155ced4ddcb4097134ff3c332f xmlns="6dd700bd-da09-4649-9444-0dda6d878ea0">
-      <Terms xmlns="http://schemas.microsoft.com/office/infopath/2007/PartnerControls"/>
-    </lcf76f155ced4ddcb4097134ff3c332f>
-    <TaxCatchAll xmlns="864686ff-c528-4121-8c14-dfe2dfe54fd3" xsi:nil="true"/>
-  </documentManagement>
-</p:properties>
-</file>
-
-<file path=customXml/item2.xml><?xml version="1.0" encoding="utf-8"?>
 <ct:contentTypeSchema xmlns:ct="http://schemas.microsoft.com/office/2006/metadata/contentType" xmlns:ma="http://schemas.microsoft.com/office/2006/metadata/properties/metaAttributes" ct:_="" ma:_="" ma:contentTypeName="Document" ma:contentTypeID="0x01010044EBA828D669A945A665683A6A0700C6" ma:contentTypeVersion="16" ma:contentTypeDescription="Create a new document." ma:contentTypeScope="" ma:versionID="3689712686b1536c59bae695a2aec147">
   <xsd:schema xmlns:xsd="http://www.w3.org/2001/XMLSchema" xmlns:xs="http://www.w3.org/2001/XMLSchema" xmlns:p="http://schemas.microsoft.com/office/2006/metadata/properties" xmlns:ns2="6dd700bd-da09-4649-9444-0dda6d878ea0" xmlns:ns3="864686ff-c528-4121-8c14-dfe2dfe54fd3" targetNamespace="http://schemas.microsoft.com/office/2006/metadata/properties" ma:root="true" ma:fieldsID="b09bedee47c1608be4bb72120d99801d" ns2:_="" ns3:_="">
     <xsd:import namespace="6dd700bd-da09-4649-9444-0dda6d878ea0"/>
@@ -8701,24 +8741,18 @@
 </ct:contentTypeSchema>
 </file>
 
-<file path=customXml/itemProps1.xml><?xml version="1.0" encoding="utf-8"?>
-<ds:datastoreItem xmlns:ds="http://schemas.openxmlformats.org/officeDocument/2006/customXml" ds:itemID="{D3B317A9-6803-48C9-9473-817C969622FE}">
-  <ds:schemaRefs>
-    <ds:schemaRef ds:uri="http://schemas.microsoft.com/office/2006/documentManagement/types"/>
-    <ds:schemaRef ds:uri="http://purl.org/dc/elements/1.1/"/>
-    <ds:schemaRef ds:uri="http://purl.org/dc/dcmitype/"/>
-    <ds:schemaRef ds:uri="6dd700bd-da09-4649-9444-0dda6d878ea0"/>
-    <ds:schemaRef ds:uri="http://www.w3.org/XML/1998/namespace"/>
-    <ds:schemaRef ds:uri="http://purl.org/dc/terms/"/>
-    <ds:schemaRef ds:uri="http://schemas.microsoft.com/office/2006/metadata/properties"/>
-    <ds:schemaRef ds:uri="http://schemas.microsoft.com/office/infopath/2007/PartnerControls"/>
-    <ds:schemaRef ds:uri="http://schemas.openxmlformats.org/package/2006/metadata/core-properties"/>
-    <ds:schemaRef ds:uri="864686ff-c528-4121-8c14-dfe2dfe54fd3"/>
-  </ds:schemaRefs>
-</ds:datastoreItem>
+<file path=customXml/item2.xml><?xml version="1.0" encoding="utf-8"?>
+<p:properties xmlns:p="http://schemas.microsoft.com/office/2006/metadata/properties" xmlns:xsi="http://www.w3.org/2001/XMLSchema-instance" xmlns:pc="http://schemas.microsoft.com/office/infopath/2007/PartnerControls">
+  <documentManagement>
+    <lcf76f155ced4ddcb4097134ff3c332f xmlns="6dd700bd-da09-4649-9444-0dda6d878ea0">
+      <Terms xmlns="http://schemas.microsoft.com/office/infopath/2007/PartnerControls"/>
+    </lcf76f155ced4ddcb4097134ff3c332f>
+    <TaxCatchAll xmlns="864686ff-c528-4121-8c14-dfe2dfe54fd3" xsi:nil="true"/>
+  </documentManagement>
+</p:properties>
 </file>
 
-<file path=customXml/itemProps2.xml><?xml version="1.0" encoding="utf-8"?>
+<file path=customXml/itemProps1.xml><?xml version="1.0" encoding="utf-8"?>
 <ds:datastoreItem xmlns:ds="http://schemas.openxmlformats.org/officeDocument/2006/customXml" ds:itemID="{343A29A7-6CC8-4547-B6F1-D3AFCBF90A13}">
   <ds:schemaRefs>
     <ds:schemaRef ds:uri="6dd700bd-da09-4649-9444-0dda6d878ea0"/>
@@ -8735,4 +8769,21 @@
     <ds:schemaRef ds:uri="http://www.w3.org/2001/XMLSchema"/>
   </ds:schemaRefs>
 </ds:datastoreItem>
+</file>
+
+<file path=customXml/itemProps2.xml><?xml version="1.0" encoding="utf-8"?>
+<ds:datastoreItem xmlns:ds="http://schemas.openxmlformats.org/officeDocument/2006/customXml" ds:itemID="{D3B317A9-6803-48C9-9473-817C969622FE}">
+  <ds:schemaRefs>
+    <ds:schemaRef ds:uri="http://schemas.microsoft.com/office/2006/documentManagement/types"/>
+    <ds:schemaRef ds:uri="http://purl.org/dc/elements/1.1/"/>
+    <ds:schemaRef ds:uri="http://purl.org/dc/dcmitype/"/>
+    <ds:schemaRef ds:uri="6dd700bd-da09-4649-9444-0dda6d878ea0"/>
+    <ds:schemaRef ds:uri="http://www.w3.org/XML/1998/namespace"/>
+    <ds:schemaRef ds:uri="http://purl.org/dc/terms/"/>
+    <ds:schemaRef ds:uri="http://schemas.microsoft.com/office/2006/metadata/properties"/>
+    <ds:schemaRef ds:uri="http://schemas.microsoft.com/office/infopath/2007/PartnerControls"/>
+    <ds:schemaRef ds:uri="http://schemas.openxmlformats.org/package/2006/metadata/core-properties"/>
+    <ds:schemaRef ds:uri="864686ff-c528-4121-8c14-dfe2dfe54fd3"/>
+  </ds:schemaRefs>
+</ds:datastoreItem>
 </file>